--- a/P4/P4.pptx
+++ b/P4/P4.pptx
@@ -5,7 +5,7 @@
     <p:sldMasterId id="2147483648" r:id="rId1"/>
   </p:sldMasterIdLst>
   <p:notesMasterIdLst>
-    <p:notesMasterId r:id="rId34"/>
+    <p:notesMasterId r:id="rId36"/>
   </p:notesMasterIdLst>
   <p:sldIdLst>
     <p:sldId id="256" r:id="rId2"/>
@@ -39,7 +39,9 @@
     <p:sldId id="315" r:id="rId30"/>
     <p:sldId id="366" r:id="rId31"/>
     <p:sldId id="344" r:id="rId32"/>
-    <p:sldId id="345" r:id="rId33"/>
+    <p:sldId id="368" r:id="rId33"/>
+    <p:sldId id="369" r:id="rId34"/>
+    <p:sldId id="345" r:id="rId35"/>
   </p:sldIdLst>
   <p:sldSz cx="12192000" cy="6858000"/>
   <p:notesSz cx="6858000" cy="9144000"/>
@@ -2102,6 +2104,188 @@
             <a:fld id="{CD7B018A-3994-8540-B1A4-4DF8CBB4C88E}" type="slidenum">
               <a:rPr lang="en-AU" smtClean="0"/>
               <a:t>32</a:t>
+            </a:fld>
+            <a:endParaRPr lang="en-AU"/>
+          </a:p>
+        </p:txBody>
+      </p:sp>
+    </p:spTree>
+    <p:extLst>
+      <p:ext uri="{BB962C8B-B14F-4D97-AF65-F5344CB8AC3E}">
+        <p14:creationId xmlns:p14="http://schemas.microsoft.com/office/powerpoint/2010/main" val="4040850790"/>
+      </p:ext>
+    </p:extLst>
+  </p:cSld>
+  <p:clrMapOvr>
+    <a:masterClrMapping/>
+  </p:clrMapOvr>
+</p:notes>
+</file>
+
+<file path=ppt/notesSlides/notesSlide27.xml><?xml version="1.0" encoding="utf-8"?>
+<p:notes xmlns:a="http://schemas.openxmlformats.org/drawingml/2006/main" xmlns:r="http://schemas.openxmlformats.org/officeDocument/2006/relationships" xmlns:p="http://schemas.openxmlformats.org/presentationml/2006/main">
+  <p:cSld>
+    <p:spTree>
+      <p:nvGrpSpPr>
+        <p:cNvPr id="1" name=""/>
+        <p:cNvGrpSpPr/>
+        <p:nvPr/>
+      </p:nvGrpSpPr>
+      <p:grpSpPr>
+        <a:xfrm>
+          <a:off x="0" y="0"/>
+          <a:ext cx="0" cy="0"/>
+          <a:chOff x="0" y="0"/>
+          <a:chExt cx="0" cy="0"/>
+        </a:xfrm>
+      </p:grpSpPr>
+      <p:sp>
+        <p:nvSpPr>
+          <p:cNvPr id="2" name="Slide Image Placeholder 1"/>
+          <p:cNvSpPr>
+            <a:spLocks noGrp="1" noRot="1" noChangeAspect="1"/>
+          </p:cNvSpPr>
+          <p:nvPr>
+            <p:ph type="sldImg"/>
+          </p:nvPr>
+        </p:nvSpPr>
+        <p:spPr/>
+      </p:sp>
+      <p:sp>
+        <p:nvSpPr>
+          <p:cNvPr id="3" name="Notes Placeholder 2"/>
+          <p:cNvSpPr>
+            <a:spLocks noGrp="1"/>
+          </p:cNvSpPr>
+          <p:nvPr>
+            <p:ph type="body" idx="1"/>
+          </p:nvPr>
+        </p:nvSpPr>
+        <p:spPr/>
+        <p:txBody>
+          <a:bodyPr/>
+          <a:lstStyle/>
+          <a:p>
+            <a:pPr algn="l"/>
+            <a:endParaRPr lang="en-FR" b="0" i="0" dirty="0">
+              <a:solidFill>
+                <a:srgbClr val="CCCCCC"/>
+              </a:solidFill>
+              <a:effectLst/>
+              <a:latin typeface="Menlo" panose="020B0609030804020204" pitchFamily="49" charset="0"/>
+            </a:endParaRPr>
+          </a:p>
+        </p:txBody>
+      </p:sp>
+      <p:sp>
+        <p:nvSpPr>
+          <p:cNvPr id="4" name="Slide Number Placeholder 3"/>
+          <p:cNvSpPr>
+            <a:spLocks noGrp="1"/>
+          </p:cNvSpPr>
+          <p:nvPr>
+            <p:ph type="sldNum" sz="quarter" idx="5"/>
+          </p:nvPr>
+        </p:nvSpPr>
+        <p:spPr/>
+        <p:txBody>
+          <a:bodyPr/>
+          <a:lstStyle/>
+          <a:p>
+            <a:fld id="{CD7B018A-3994-8540-B1A4-4DF8CBB4C88E}" type="slidenum">
+              <a:rPr lang="en-AU" smtClean="0"/>
+              <a:t>33</a:t>
+            </a:fld>
+            <a:endParaRPr lang="en-AU"/>
+          </a:p>
+        </p:txBody>
+      </p:sp>
+    </p:spTree>
+    <p:extLst>
+      <p:ext uri="{BB962C8B-B14F-4D97-AF65-F5344CB8AC3E}">
+        <p14:creationId xmlns:p14="http://schemas.microsoft.com/office/powerpoint/2010/main" val="3509287948"/>
+      </p:ext>
+    </p:extLst>
+  </p:cSld>
+  <p:clrMapOvr>
+    <a:masterClrMapping/>
+  </p:clrMapOvr>
+</p:notes>
+</file>
+
+<file path=ppt/notesSlides/notesSlide28.xml><?xml version="1.0" encoding="utf-8"?>
+<p:notes xmlns:a="http://schemas.openxmlformats.org/drawingml/2006/main" xmlns:r="http://schemas.openxmlformats.org/officeDocument/2006/relationships" xmlns:p="http://schemas.openxmlformats.org/presentationml/2006/main">
+  <p:cSld>
+    <p:spTree>
+      <p:nvGrpSpPr>
+        <p:cNvPr id="1" name=""/>
+        <p:cNvGrpSpPr/>
+        <p:nvPr/>
+      </p:nvGrpSpPr>
+      <p:grpSpPr>
+        <a:xfrm>
+          <a:off x="0" y="0"/>
+          <a:ext cx="0" cy="0"/>
+          <a:chOff x="0" y="0"/>
+          <a:chExt cx="0" cy="0"/>
+        </a:xfrm>
+      </p:grpSpPr>
+      <p:sp>
+        <p:nvSpPr>
+          <p:cNvPr id="2" name="Slide Image Placeholder 1"/>
+          <p:cNvSpPr>
+            <a:spLocks noGrp="1" noRot="1" noChangeAspect="1"/>
+          </p:cNvSpPr>
+          <p:nvPr>
+            <p:ph type="sldImg"/>
+          </p:nvPr>
+        </p:nvSpPr>
+        <p:spPr/>
+      </p:sp>
+      <p:sp>
+        <p:nvSpPr>
+          <p:cNvPr id="3" name="Notes Placeholder 2"/>
+          <p:cNvSpPr>
+            <a:spLocks noGrp="1"/>
+          </p:cNvSpPr>
+          <p:nvPr>
+            <p:ph type="body" idx="1"/>
+          </p:nvPr>
+        </p:nvSpPr>
+        <p:spPr/>
+        <p:txBody>
+          <a:bodyPr/>
+          <a:lstStyle/>
+          <a:p>
+            <a:pPr algn="l"/>
+            <a:endParaRPr lang="en-FR" b="0" i="0" dirty="0">
+              <a:solidFill>
+                <a:srgbClr val="CCCCCC"/>
+              </a:solidFill>
+              <a:effectLst/>
+              <a:latin typeface="Menlo" panose="020B0609030804020204" pitchFamily="49" charset="0"/>
+            </a:endParaRPr>
+          </a:p>
+        </p:txBody>
+      </p:sp>
+      <p:sp>
+        <p:nvSpPr>
+          <p:cNvPr id="4" name="Slide Number Placeholder 3"/>
+          <p:cNvSpPr>
+            <a:spLocks noGrp="1"/>
+          </p:cNvSpPr>
+          <p:nvPr>
+            <p:ph type="sldNum" sz="quarter" idx="5"/>
+          </p:nvPr>
+        </p:nvSpPr>
+        <p:spPr/>
+        <p:txBody>
+          <a:bodyPr/>
+          <a:lstStyle/>
+          <a:p>
+            <a:fld id="{CD7B018A-3994-8540-B1A4-4DF8CBB4C88E}" type="slidenum">
+              <a:rPr lang="en-AU" smtClean="0"/>
+              <a:t>34</a:t>
             </a:fld>
             <a:endParaRPr lang="en-AU"/>
           </a:p>
@@ -12253,8 +12437,8 @@
         </p:blipFill>
         <p:spPr>
           <a:xfrm>
-            <a:off x="726988" y="1569720"/>
-            <a:ext cx="8828491" cy="5102095"/>
+            <a:off x="726989" y="1382627"/>
+            <a:ext cx="9121346" cy="5271340"/>
           </a:xfrm>
           <a:prstGeom prst="rect">
             <a:avLst/>
@@ -15402,33 +15586,451 @@
                   <a:srgbClr val="7450EB"/>
                 </a:solidFill>
               </a:rPr>
-              <a:t>D’</a:t>
-            </a:r>
-            <a:r>
-              <a:rPr lang="fr-FR" sz="2000" b="1">
+              <a:t>Qui sont les groupes de clients ?</a:t>
+            </a:r>
+          </a:p>
+        </p:txBody>
+      </p:sp>
+      <p:grpSp>
+        <p:nvGrpSpPr>
+          <p:cNvPr id="18" name="Group 17">
+            <a:extLst>
+              <a:ext uri="{FF2B5EF4-FFF2-40B4-BE49-F238E27FC236}">
+                <a16:creationId xmlns:a16="http://schemas.microsoft.com/office/drawing/2014/main" id="{1982BE09-AA8C-C1D2-2B01-3E52DDC397F2}"/>
+              </a:ext>
+            </a:extLst>
+          </p:cNvPr>
+          <p:cNvGrpSpPr/>
+          <p:nvPr/>
+        </p:nvGrpSpPr>
+        <p:grpSpPr>
+          <a:xfrm>
+            <a:off x="6523339" y="1149075"/>
+            <a:ext cx="4134143" cy="2279925"/>
+            <a:chOff x="7315200" y="1485425"/>
+            <a:chExt cx="4567519" cy="2712719"/>
+          </a:xfrm>
+        </p:grpSpPr>
+        <p:grpSp>
+          <p:nvGrpSpPr>
+            <p:cNvPr id="15" name="Group 14">
+              <a:extLst>
+                <a:ext uri="{FF2B5EF4-FFF2-40B4-BE49-F238E27FC236}">
+                  <a16:creationId xmlns:a16="http://schemas.microsoft.com/office/drawing/2014/main" id="{3FC52329-6D5B-6C13-EC37-BCB125B2D402}"/>
+                </a:ext>
+              </a:extLst>
+            </p:cNvPr>
+            <p:cNvGrpSpPr/>
+            <p:nvPr/>
+          </p:nvGrpSpPr>
+          <p:grpSpPr>
+            <a:xfrm>
+              <a:off x="7315200" y="1485425"/>
+              <a:ext cx="4567519" cy="2712719"/>
+              <a:chOff x="8107365" y="3758373"/>
+              <a:chExt cx="3794808" cy="2304000"/>
+            </a:xfrm>
+          </p:grpSpPr>
+          <p:pic>
+            <p:nvPicPr>
+              <p:cNvPr id="13" name="Picture 12" descr="A white rectangular object with a black border&#10;&#10;Description automatically generated with medium confidence">
+                <a:extLst>
+                  <a:ext uri="{FF2B5EF4-FFF2-40B4-BE49-F238E27FC236}">
+                    <a16:creationId xmlns:a16="http://schemas.microsoft.com/office/drawing/2014/main" id="{68BAEC10-C10B-8614-6E29-8DA538AA03F8}"/>
+                  </a:ext>
+                </a:extLst>
+              </p:cNvPr>
+              <p:cNvPicPr>
+                <a:picLocks noChangeAspect="1"/>
+              </p:cNvPicPr>
+              <p:nvPr/>
+            </p:nvPicPr>
+            <p:blipFill rotWithShape="1">
+              <a:blip r:embed="rId4"/>
+              <a:srcRect l="66043"/>
+              <a:stretch/>
+            </p:blipFill>
+            <p:spPr>
+              <a:xfrm>
+                <a:off x="8107365" y="3758373"/>
+                <a:ext cx="3794808" cy="2304000"/>
+              </a:xfrm>
+              <a:prstGeom prst="rect">
+                <a:avLst/>
+              </a:prstGeom>
+            </p:spPr>
+          </p:pic>
+          <p:pic>
+            <p:nvPicPr>
+              <p:cNvPr id="14" name="Picture 13" descr="A white rectangular object with a black border&#10;&#10;Description automatically generated with medium confidence">
+                <a:extLst>
+                  <a:ext uri="{FF2B5EF4-FFF2-40B4-BE49-F238E27FC236}">
+                    <a16:creationId xmlns:a16="http://schemas.microsoft.com/office/drawing/2014/main" id="{300775C2-1F95-3773-2C2F-CB69692B4794}"/>
+                  </a:ext>
+                </a:extLst>
+              </p:cNvPr>
+              <p:cNvPicPr>
+                <a:picLocks noChangeAspect="1"/>
+              </p:cNvPicPr>
+              <p:nvPr/>
+            </p:nvPicPr>
+            <p:blipFill rotWithShape="1">
+              <a:blip r:embed="rId4"/>
+              <a:srcRect r="89478"/>
+              <a:stretch/>
+            </p:blipFill>
+            <p:spPr>
+              <a:xfrm>
+                <a:off x="8107365" y="3758374"/>
+                <a:ext cx="1173796" cy="2299989"/>
+              </a:xfrm>
+              <a:prstGeom prst="rect">
+                <a:avLst/>
+              </a:prstGeom>
+            </p:spPr>
+          </p:pic>
+        </p:grpSp>
+        <p:sp>
+          <p:nvSpPr>
+            <p:cNvPr id="17" name="TextBox 16">
+              <a:extLst>
+                <a:ext uri="{FF2B5EF4-FFF2-40B4-BE49-F238E27FC236}">
+                  <a16:creationId xmlns:a16="http://schemas.microsoft.com/office/drawing/2014/main" id="{BF38B0FC-FD93-62F5-C273-4B54280E2905}"/>
+                </a:ext>
+              </a:extLst>
+            </p:cNvPr>
+            <p:cNvSpPr txBox="1"/>
+            <p:nvPr/>
+          </p:nvSpPr>
+          <p:spPr>
+            <a:xfrm>
+              <a:off x="7391400" y="1537327"/>
+              <a:ext cx="1076705" cy="461665"/>
+            </a:xfrm>
+            <a:prstGeom prst="rect">
+              <a:avLst/>
+            </a:prstGeom>
+            <a:solidFill>
+              <a:schemeClr val="bg1"/>
+            </a:solidFill>
+          </p:spPr>
+          <p:txBody>
+            <a:bodyPr wrap="none" rtlCol="0">
+              <a:spAutoFit/>
+            </a:bodyPr>
+            <a:lstStyle/>
+            <a:p>
+              <a:r>
+                <a:rPr lang="en-AU" sz="2400" b="1" dirty="0"/>
+                <a:t>Cluster</a:t>
+              </a:r>
+            </a:p>
+          </p:txBody>
+        </p:sp>
+      </p:grpSp>
+      <p:sp>
+        <p:nvSpPr>
+          <p:cNvPr id="20" name="TextBox 19">
+            <a:extLst>
+              <a:ext uri="{FF2B5EF4-FFF2-40B4-BE49-F238E27FC236}">
+                <a16:creationId xmlns:a16="http://schemas.microsoft.com/office/drawing/2014/main" id="{BAF05D68-CC50-5579-A28F-451A1505C987}"/>
+              </a:ext>
+            </a:extLst>
+          </p:cNvPr>
+          <p:cNvSpPr txBox="1"/>
+          <p:nvPr/>
+        </p:nvSpPr>
+        <p:spPr>
+          <a:xfrm>
+            <a:off x="726989" y="1742312"/>
+            <a:ext cx="4941674" cy="1477328"/>
+          </a:xfrm>
+          <a:prstGeom prst="rect">
+            <a:avLst/>
+          </a:prstGeom>
+          <a:noFill/>
+        </p:spPr>
+        <p:txBody>
+          <a:bodyPr wrap="none" rtlCol="0">
+            <a:spAutoFit/>
+          </a:bodyPr>
+          <a:lstStyle/>
+          <a:p>
+            <a:pPr marL="342900" indent="-342900">
+              <a:buFont typeface="+mj-lt"/>
+              <a:buAutoNum type="arabicPeriod"/>
+            </a:pPr>
+            <a:r>
+              <a:rPr lang="en-AU" dirty="0"/>
+              <a:t>Cluster 1 - La plus </a:t>
+            </a:r>
+            <a:r>
+              <a:rPr lang="en-AU" dirty="0" err="1"/>
+              <a:t>grande</a:t>
+            </a:r>
+            <a:r>
+              <a:rPr lang="en-AU" dirty="0"/>
+              <a:t> population</a:t>
+            </a:r>
+          </a:p>
+          <a:p>
+            <a:pPr marL="342900" indent="-342900">
+              <a:buFont typeface="+mj-lt"/>
+              <a:buAutoNum type="arabicPeriod"/>
+            </a:pPr>
+            <a:endParaRPr lang="en-AU" dirty="0"/>
+          </a:p>
+          <a:p>
+            <a:pPr marL="342900" indent="-342900">
+              <a:buFont typeface="+mj-lt"/>
+              <a:buAutoNum type="arabicPeriod"/>
+            </a:pPr>
+            <a:r>
+              <a:rPr lang="en-AU" dirty="0"/>
+              <a:t>Cluster 0 - La </a:t>
+            </a:r>
+            <a:r>
+              <a:rPr lang="en-AU" dirty="0" err="1"/>
+              <a:t>deuxième</a:t>
+            </a:r>
+            <a:r>
+              <a:rPr lang="en-AU" dirty="0"/>
+              <a:t> plus </a:t>
+            </a:r>
+            <a:r>
+              <a:rPr lang="en-AU" dirty="0" err="1"/>
+              <a:t>grande</a:t>
+            </a:r>
+            <a:r>
+              <a:rPr lang="en-AU" dirty="0"/>
+              <a:t> population</a:t>
+            </a:r>
+          </a:p>
+          <a:p>
+            <a:pPr marL="342900" indent="-342900">
+              <a:buFont typeface="+mj-lt"/>
+              <a:buAutoNum type="arabicPeriod"/>
+            </a:pPr>
+            <a:endParaRPr lang="en-AU" dirty="0"/>
+          </a:p>
+          <a:p>
+            <a:pPr marL="342900" indent="-342900">
+              <a:buFont typeface="+mj-lt"/>
+              <a:buAutoNum type="arabicPeriod"/>
+            </a:pPr>
+            <a:r>
+              <a:rPr lang="en-AU" dirty="0"/>
+              <a:t>Cluster 2 - La </a:t>
+            </a:r>
+            <a:r>
+              <a:rPr lang="en-AU" dirty="0" err="1"/>
+              <a:t>troisième</a:t>
+            </a:r>
+            <a:r>
+              <a:rPr lang="en-AU" dirty="0"/>
+              <a:t> plus </a:t>
+            </a:r>
+            <a:r>
+              <a:rPr lang="en-AU" dirty="0" err="1"/>
+              <a:t>grande</a:t>
+            </a:r>
+            <a:r>
+              <a:rPr lang="en-AU" dirty="0"/>
+              <a:t> population </a:t>
+            </a:r>
+          </a:p>
+        </p:txBody>
+      </p:sp>
+      <p:pic>
+        <p:nvPicPr>
+          <p:cNvPr id="31" name="Picture 30">
+            <a:extLst>
+              <a:ext uri="{FF2B5EF4-FFF2-40B4-BE49-F238E27FC236}">
+                <a16:creationId xmlns:a16="http://schemas.microsoft.com/office/drawing/2014/main" id="{CBDEC7C6-B295-D95A-A657-3AAAE3737E97}"/>
+              </a:ext>
+            </a:extLst>
+          </p:cNvPr>
+          <p:cNvPicPr>
+            <a:picLocks noChangeAspect="1"/>
+          </p:cNvPicPr>
+          <p:nvPr/>
+        </p:nvPicPr>
+        <p:blipFill rotWithShape="1">
+          <a:blip r:embed="rId5"/>
+          <a:srcRect l="1752" t="9274" b="6817"/>
+          <a:stretch/>
+        </p:blipFill>
+        <p:spPr>
+          <a:xfrm>
+            <a:off x="2124397" y="3272806"/>
+            <a:ext cx="7943206" cy="3227049"/>
+          </a:xfrm>
+          <a:prstGeom prst="rect">
+            <a:avLst/>
+          </a:prstGeom>
+        </p:spPr>
+      </p:pic>
+    </p:spTree>
+    <p:extLst>
+      <p:ext uri="{BB962C8B-B14F-4D97-AF65-F5344CB8AC3E}">
+        <p14:creationId xmlns:p14="http://schemas.microsoft.com/office/powerpoint/2010/main" val="2791249385"/>
+      </p:ext>
+    </p:extLst>
+  </p:cSld>
+  <p:clrMapOvr>
+    <a:masterClrMapping/>
+  </p:clrMapOvr>
+</p:sld>
+</file>
+
+<file path=ppt/slides/slide33.xml><?xml version="1.0" encoding="utf-8"?>
+<p:sld xmlns:a="http://schemas.openxmlformats.org/drawingml/2006/main" xmlns:r="http://schemas.openxmlformats.org/officeDocument/2006/relationships" xmlns:p="http://schemas.openxmlformats.org/presentationml/2006/main">
+  <p:cSld>
+    <p:spTree>
+      <p:nvGrpSpPr>
+        <p:cNvPr id="1" name=""/>
+        <p:cNvGrpSpPr/>
+        <p:nvPr/>
+      </p:nvGrpSpPr>
+      <p:grpSpPr>
+        <a:xfrm>
+          <a:off x="0" y="0"/>
+          <a:ext cx="0" cy="0"/>
+          <a:chOff x="0" y="0"/>
+          <a:chExt cx="0" cy="0"/>
+        </a:xfrm>
+      </p:grpSpPr>
+      <p:pic>
+        <p:nvPicPr>
+          <p:cNvPr id="5" name="Picture 4">
+            <a:extLst>
+              <a:ext uri="{FF2B5EF4-FFF2-40B4-BE49-F238E27FC236}">
+                <a16:creationId xmlns:a16="http://schemas.microsoft.com/office/drawing/2014/main" id="{E467681C-7460-00AB-EA52-D71661E59BF9}"/>
+              </a:ext>
+            </a:extLst>
+          </p:cNvPr>
+          <p:cNvPicPr>
+            <a:picLocks noChangeAspect="1" noChangeArrowheads="1"/>
+          </p:cNvPicPr>
+          <p:nvPr/>
+        </p:nvPicPr>
+        <p:blipFill>
+          <a:blip r:embed="rId3">
+            <a:extLst>
+              <a:ext uri="{28A0092B-C50C-407E-A947-70E740481C1C}">
+                <a14:useLocalDpi xmlns:a14="http://schemas.microsoft.com/office/drawing/2010/main" val="0"/>
+              </a:ext>
+            </a:extLst>
+          </a:blip>
+          <a:srcRect/>
+          <a:stretch>
+            <a:fillRect/>
+          </a:stretch>
+        </p:blipFill>
+        <p:spPr bwMode="auto">
+          <a:xfrm>
+            <a:off x="10911964" y="211817"/>
+            <a:ext cx="970755" cy="970755"/>
+          </a:xfrm>
+          <a:prstGeom prst="rect">
+            <a:avLst/>
+          </a:prstGeom>
+          <a:noFill/>
+          <a:extLst>
+            <a:ext uri="{909E8E84-426E-40DD-AFC4-6F175D3DCCD1}">
+              <a14:hiddenFill xmlns:a14="http://schemas.microsoft.com/office/drawing/2010/main">
                 <a:solidFill>
-                  <a:srgbClr val="7450EB"/>
+                  <a:srgbClr val="FFFFFF"/>
+                </a:solidFill>
+              </a14:hiddenFill>
+            </a:ext>
+          </a:extLst>
+        </p:spPr>
+      </p:pic>
+      <p:sp>
+        <p:nvSpPr>
+          <p:cNvPr id="8" name="Title 1">
+            <a:extLst>
+              <a:ext uri="{FF2B5EF4-FFF2-40B4-BE49-F238E27FC236}">
+                <a16:creationId xmlns:a16="http://schemas.microsoft.com/office/drawing/2014/main" id="{6BC058DF-FF64-9D5E-3D11-E625DBDC5063}"/>
+              </a:ext>
+            </a:extLst>
+          </p:cNvPr>
+          <p:cNvSpPr>
+            <a:spLocks noGrp="1"/>
+          </p:cNvSpPr>
+          <p:nvPr>
+            <p:ph type="title"/>
+          </p:nvPr>
+        </p:nvSpPr>
+        <p:spPr>
+          <a:xfrm>
+            <a:off x="726989" y="211817"/>
+            <a:ext cx="9121346" cy="970755"/>
+          </a:xfrm>
+        </p:spPr>
+        <p:txBody>
+          <a:bodyPr>
+            <a:normAutofit/>
+          </a:bodyPr>
+          <a:lstStyle/>
+          <a:p>
+            <a:r>
+              <a:rPr lang="fr-FR" sz="3600" b="1" dirty="0">
+                <a:solidFill>
+                  <a:schemeClr val="tx2"/>
                 </a:solidFill>
               </a:rPr>
-              <a:t>apres</a:t>
-            </a:r>
+              <a:t>Conclusion</a:t>
+            </a:r>
+          </a:p>
+        </p:txBody>
+      </p:sp>
+      <p:sp>
+        <p:nvSpPr>
+          <p:cNvPr id="19" name="TextBox 18">
+            <a:extLst>
+              <a:ext uri="{FF2B5EF4-FFF2-40B4-BE49-F238E27FC236}">
+                <a16:creationId xmlns:a16="http://schemas.microsoft.com/office/drawing/2014/main" id="{57F091D4-9CDA-92AF-DD29-D92F99A852EB}"/>
+              </a:ext>
+            </a:extLst>
+          </p:cNvPr>
+          <p:cNvSpPr txBox="1"/>
+          <p:nvPr/>
+        </p:nvSpPr>
+        <p:spPr>
+          <a:xfrm>
+            <a:off x="726989" y="982517"/>
+            <a:ext cx="11155730" cy="400110"/>
+          </a:xfrm>
+          <a:prstGeom prst="rect">
+            <a:avLst/>
+          </a:prstGeom>
+          <a:noFill/>
+        </p:spPr>
+        <p:txBody>
+          <a:bodyPr wrap="square" rtlCol="0">
+            <a:spAutoFit/>
+          </a:bodyPr>
+          <a:lstStyle/>
+          <a:p>
             <a:r>
               <a:rPr lang="fr-FR" sz="2000" b="1" dirty="0">
                 <a:solidFill>
                   <a:srgbClr val="7450EB"/>
                 </a:solidFill>
               </a:rPr>
-              <a:t> les analyses précédentes :</a:t>
+              <a:t>Qui sont nos meilleurs clients ?</a:t>
             </a:r>
           </a:p>
         </p:txBody>
       </p:sp>
       <p:pic>
         <p:nvPicPr>
-          <p:cNvPr id="3" name="Picture 2">
-            <a:extLst>
-              <a:ext uri="{FF2B5EF4-FFF2-40B4-BE49-F238E27FC236}">
-                <a16:creationId xmlns:a16="http://schemas.microsoft.com/office/drawing/2014/main" id="{0F4E761E-59C1-0248-72A6-093AE0CD323C}"/>
+          <p:cNvPr id="2" name="Picture 1" descr="A screenshot of a computer screen&#10;&#10;Description automatically generated">
+            <a:extLst>
+              <a:ext uri="{FF2B5EF4-FFF2-40B4-BE49-F238E27FC236}">
+                <a16:creationId xmlns:a16="http://schemas.microsoft.com/office/drawing/2014/main" id="{62C61C7D-88D4-A917-4547-677509B237CE}"/>
               </a:ext>
             </a:extLst>
           </p:cNvPr>
@@ -15439,13 +16041,13 @@
         </p:nvPicPr>
         <p:blipFill rotWithShape="1">
           <a:blip r:embed="rId4"/>
-          <a:srcRect t="8928" b="6299"/>
+          <a:srcRect b="11756"/>
           <a:stretch/>
         </p:blipFill>
         <p:spPr>
           <a:xfrm>
-            <a:off x="6031572" y="1541482"/>
-            <a:ext cx="5584181" cy="2209801"/>
+            <a:off x="726989" y="3981510"/>
+            <a:ext cx="11155730" cy="2314733"/>
           </a:xfrm>
           <a:prstGeom prst="rect">
             <a:avLst/>
@@ -15454,10 +16056,10 @@
       </p:pic>
       <p:pic>
         <p:nvPicPr>
-          <p:cNvPr id="4" name="Picture 3">
-            <a:extLst>
-              <a:ext uri="{FF2B5EF4-FFF2-40B4-BE49-F238E27FC236}">
-                <a16:creationId xmlns:a16="http://schemas.microsoft.com/office/drawing/2014/main" id="{AF72B6D8-6FC0-5D48-6C66-6EDD7B596C74}"/>
+          <p:cNvPr id="3" name="Picture 2">
+            <a:extLst>
+              <a:ext uri="{FF2B5EF4-FFF2-40B4-BE49-F238E27FC236}">
+                <a16:creationId xmlns:a16="http://schemas.microsoft.com/office/drawing/2014/main" id="{33E323C2-43EC-A734-C6F6-14B043402DDD}"/>
               </a:ext>
             </a:extLst>
           </p:cNvPr>
@@ -15468,25 +16070,664 @@
         </p:nvPicPr>
         <p:blipFill rotWithShape="1">
           <a:blip r:embed="rId5"/>
-          <a:srcRect t="8837" r="6048"/>
+          <a:srcRect l="1752" t="9274" b="6817"/>
           <a:stretch/>
         </p:blipFill>
         <p:spPr>
           <a:xfrm>
-            <a:off x="726989" y="3910139"/>
-            <a:ext cx="5584180" cy="2577455"/>
+            <a:off x="5134245" y="1182572"/>
+            <a:ext cx="6748474" cy="2741671"/>
           </a:xfrm>
           <a:prstGeom prst="rect">
             <a:avLst/>
           </a:prstGeom>
         </p:spPr>
       </p:pic>
+      <p:sp>
+        <p:nvSpPr>
+          <p:cNvPr id="4" name="TextBox 3">
+            <a:extLst>
+              <a:ext uri="{FF2B5EF4-FFF2-40B4-BE49-F238E27FC236}">
+                <a16:creationId xmlns:a16="http://schemas.microsoft.com/office/drawing/2014/main" id="{63B067C6-AFB8-9936-F363-340FD3103223}"/>
+              </a:ext>
+            </a:extLst>
+          </p:cNvPr>
+          <p:cNvSpPr txBox="1"/>
+          <p:nvPr/>
+        </p:nvSpPr>
+        <p:spPr>
+          <a:xfrm>
+            <a:off x="914401" y="1722120"/>
+            <a:ext cx="4053840" cy="1754326"/>
+          </a:xfrm>
+          <a:prstGeom prst="rect">
+            <a:avLst/>
+          </a:prstGeom>
+          <a:noFill/>
+        </p:spPr>
+        <p:txBody>
+          <a:bodyPr wrap="square" rtlCol="0">
+            <a:spAutoFit/>
+          </a:bodyPr>
+          <a:lstStyle/>
+          <a:p>
+            <a:pPr marL="342900" indent="-342900">
+              <a:buFont typeface="+mj-lt"/>
+              <a:buAutoNum type="arabicPeriod"/>
+            </a:pPr>
+            <a:r>
+              <a:rPr lang="en-AU" b="1" dirty="0"/>
+              <a:t>Le </a:t>
+            </a:r>
+            <a:r>
+              <a:rPr lang="en-AU" b="1" dirty="0" err="1"/>
+              <a:t>groupe</a:t>
+            </a:r>
+            <a:r>
+              <a:rPr lang="en-AU" b="1" dirty="0"/>
+              <a:t> 1</a:t>
+            </a:r>
+            <a:r>
+              <a:rPr lang="en-AU" dirty="0"/>
+              <a:t>, par client, </a:t>
+            </a:r>
+            <a:r>
+              <a:rPr lang="en-AU" dirty="0" err="1"/>
+              <a:t>apporte</a:t>
+            </a:r>
+            <a:r>
+              <a:rPr lang="en-AU" dirty="0"/>
+              <a:t> la plus </a:t>
+            </a:r>
+            <a:r>
+              <a:rPr lang="en-AU" dirty="0" err="1"/>
+              <a:t>grande</a:t>
+            </a:r>
+            <a:r>
+              <a:rPr lang="en-AU" dirty="0"/>
+              <a:t> </a:t>
+            </a:r>
+            <a:r>
+              <a:rPr lang="en-AU" dirty="0" err="1"/>
+              <a:t>valeur</a:t>
+            </a:r>
+            <a:r>
+              <a:rPr lang="en-AU" dirty="0"/>
+              <a:t> </a:t>
+            </a:r>
+            <a:r>
+              <a:rPr lang="en-AU" dirty="0" err="1"/>
+              <a:t>ajoutée</a:t>
+            </a:r>
+            <a:endParaRPr lang="en-AU" dirty="0"/>
+          </a:p>
+          <a:p>
+            <a:pPr marL="342900" indent="-342900">
+              <a:buFont typeface="+mj-lt"/>
+              <a:buAutoNum type="arabicPeriod"/>
+            </a:pPr>
+            <a:r>
+              <a:rPr lang="en-AU" b="1" dirty="0"/>
+              <a:t>Le </a:t>
+            </a:r>
+            <a:r>
+              <a:rPr lang="en-AU" b="1" dirty="0" err="1"/>
+              <a:t>groupe</a:t>
+            </a:r>
+            <a:r>
+              <a:rPr lang="en-AU" b="1" dirty="0"/>
+              <a:t> 2</a:t>
+            </a:r>
+            <a:r>
+              <a:rPr lang="en-AU" dirty="0"/>
+              <a:t>, par client, </a:t>
+            </a:r>
+            <a:r>
+              <a:rPr lang="en-AU" dirty="0" err="1"/>
+              <a:t>apporte</a:t>
+            </a:r>
+            <a:r>
+              <a:rPr lang="en-AU" dirty="0"/>
+              <a:t> la </a:t>
+            </a:r>
+            <a:r>
+              <a:rPr lang="en-AU" dirty="0" err="1"/>
+              <a:t>deuxième</a:t>
+            </a:r>
+            <a:r>
+              <a:rPr lang="en-AU" dirty="0"/>
+              <a:t> </a:t>
+            </a:r>
+            <a:r>
+              <a:rPr lang="en-AU" dirty="0" err="1"/>
+              <a:t>valeur</a:t>
+            </a:r>
+            <a:r>
+              <a:rPr lang="en-AU" dirty="0"/>
+              <a:t> la plus </a:t>
+            </a:r>
+            <a:r>
+              <a:rPr lang="en-AU" dirty="0" err="1"/>
+              <a:t>élevée</a:t>
+            </a:r>
+            <a:endParaRPr lang="en-AU" dirty="0"/>
+          </a:p>
+          <a:p>
+            <a:pPr marL="342900" indent="-342900">
+              <a:buFont typeface="+mj-lt"/>
+              <a:buAutoNum type="arabicPeriod"/>
+            </a:pPr>
+            <a:r>
+              <a:rPr lang="en-AU" b="1" dirty="0"/>
+              <a:t>Le </a:t>
+            </a:r>
+            <a:r>
+              <a:rPr lang="en-AU" b="1" dirty="0" err="1"/>
+              <a:t>groupe</a:t>
+            </a:r>
+            <a:r>
+              <a:rPr lang="en-AU" b="1" dirty="0"/>
+              <a:t> 3</a:t>
+            </a:r>
+            <a:r>
+              <a:rPr lang="en-AU" dirty="0"/>
+              <a:t>, par client, </a:t>
+            </a:r>
+            <a:r>
+              <a:rPr lang="en-AU" dirty="0" err="1"/>
+              <a:t>est</a:t>
+            </a:r>
+            <a:r>
+              <a:rPr lang="en-AU" dirty="0"/>
+              <a:t> </a:t>
+            </a:r>
+            <a:r>
+              <a:rPr lang="en-AU" dirty="0" err="1"/>
+              <a:t>celui</a:t>
+            </a:r>
+            <a:r>
+              <a:rPr lang="en-AU" dirty="0"/>
+              <a:t> qui </a:t>
+            </a:r>
+            <a:r>
+              <a:rPr lang="en-AU" dirty="0" err="1"/>
+              <a:t>offre</a:t>
+            </a:r>
+            <a:r>
+              <a:rPr lang="en-AU" dirty="0"/>
+              <a:t> le </a:t>
+            </a:r>
+            <a:r>
+              <a:rPr lang="en-AU" dirty="0" err="1"/>
+              <a:t>moins</a:t>
+            </a:r>
+            <a:r>
+              <a:rPr lang="en-AU" dirty="0"/>
+              <a:t> de </a:t>
+            </a:r>
+            <a:r>
+              <a:rPr lang="en-AU" dirty="0" err="1"/>
+              <a:t>valeur</a:t>
+            </a:r>
+            <a:r>
+              <a:rPr lang="en-AU" dirty="0"/>
+              <a:t>.</a:t>
+            </a:r>
+          </a:p>
+        </p:txBody>
+      </p:sp>
+      <p:sp>
+        <p:nvSpPr>
+          <p:cNvPr id="6" name="Rectangle 5">
+            <a:extLst>
+              <a:ext uri="{FF2B5EF4-FFF2-40B4-BE49-F238E27FC236}">
+                <a16:creationId xmlns:a16="http://schemas.microsoft.com/office/drawing/2014/main" id="{90DB0BF9-E897-1126-A05C-4857E4821226}"/>
+              </a:ext>
+            </a:extLst>
+          </p:cNvPr>
+          <p:cNvSpPr/>
+          <p:nvPr/>
+        </p:nvSpPr>
+        <p:spPr>
+          <a:xfrm>
+            <a:off x="9982200" y="1953273"/>
+            <a:ext cx="1156605" cy="1574314"/>
+          </a:xfrm>
+          <a:prstGeom prst="rect">
+            <a:avLst/>
+          </a:prstGeom>
+          <a:noFill/>
+          <a:ln w="38100">
+            <a:solidFill>
+              <a:srgbClr val="FF0000"/>
+            </a:solidFill>
+          </a:ln>
+        </p:spPr>
+        <p:style>
+          <a:lnRef idx="2">
+            <a:schemeClr val="accent1">
+              <a:shade val="50000"/>
+            </a:schemeClr>
+          </a:lnRef>
+          <a:fillRef idx="1">
+            <a:schemeClr val="accent1"/>
+          </a:fillRef>
+          <a:effectRef idx="0">
+            <a:schemeClr val="accent1"/>
+          </a:effectRef>
+          <a:fontRef idx="minor">
+            <a:schemeClr val="lt1"/>
+          </a:fontRef>
+        </p:style>
+        <p:txBody>
+          <a:bodyPr rtlCol="0" anchor="ctr"/>
+          <a:lstStyle/>
+          <a:p>
+            <a:pPr algn="ctr"/>
+            <a:endParaRPr lang="en-AU"/>
+          </a:p>
+        </p:txBody>
+      </p:sp>
+      <p:sp>
+        <p:nvSpPr>
+          <p:cNvPr id="12" name="TextBox 11">
+            <a:extLst>
+              <a:ext uri="{FF2B5EF4-FFF2-40B4-BE49-F238E27FC236}">
+                <a16:creationId xmlns:a16="http://schemas.microsoft.com/office/drawing/2014/main" id="{86C89CE7-B9E9-2AB3-E14E-511388E579F7}"/>
+              </a:ext>
+            </a:extLst>
+          </p:cNvPr>
+          <p:cNvSpPr txBox="1"/>
+          <p:nvPr/>
+        </p:nvSpPr>
+        <p:spPr>
+          <a:xfrm>
+            <a:off x="4219236" y="3692309"/>
+            <a:ext cx="3753528" cy="369332"/>
+          </a:xfrm>
+          <a:prstGeom prst="rect">
+            <a:avLst/>
+          </a:prstGeom>
+          <a:noFill/>
+        </p:spPr>
+        <p:txBody>
+          <a:bodyPr wrap="none" rtlCol="0">
+            <a:spAutoFit/>
+          </a:bodyPr>
+          <a:lstStyle/>
+          <a:p>
+            <a:r>
+              <a:rPr lang="en-AU" b="1" dirty="0"/>
+              <a:t>Moyenne des </a:t>
+            </a:r>
+            <a:r>
+              <a:rPr lang="en-AU" b="1" dirty="0" err="1"/>
+              <a:t>valeurs</a:t>
+            </a:r>
+            <a:r>
+              <a:rPr lang="en-AU" b="1" dirty="0"/>
+              <a:t> </a:t>
+            </a:r>
+            <a:r>
+              <a:rPr lang="en-AU" b="1" dirty="0" err="1"/>
+              <a:t>en</a:t>
+            </a:r>
+            <a:r>
+              <a:rPr lang="en-AU" b="1" dirty="0"/>
+              <a:t> </a:t>
+            </a:r>
+            <a:r>
+              <a:rPr lang="en-AU" b="1" dirty="0" err="1"/>
+              <a:t>pourcentage</a:t>
+            </a:r>
+            <a:endParaRPr lang="en-AU" b="1" dirty="0"/>
+          </a:p>
+        </p:txBody>
+      </p:sp>
+      <p:sp>
+        <p:nvSpPr>
+          <p:cNvPr id="14" name="TextBox 13">
+            <a:extLst>
+              <a:ext uri="{FF2B5EF4-FFF2-40B4-BE49-F238E27FC236}">
+                <a16:creationId xmlns:a16="http://schemas.microsoft.com/office/drawing/2014/main" id="{01B25E19-D9AE-520B-415D-B1EA9C705BDA}"/>
+              </a:ext>
+            </a:extLst>
+          </p:cNvPr>
+          <p:cNvSpPr txBox="1"/>
+          <p:nvPr/>
+        </p:nvSpPr>
+        <p:spPr>
+          <a:xfrm>
+            <a:off x="9982200" y="2349355"/>
+            <a:ext cx="1156605" cy="923330"/>
+          </a:xfrm>
+          <a:prstGeom prst="rect">
+            <a:avLst/>
+          </a:prstGeom>
+          <a:noFill/>
+        </p:spPr>
+        <p:txBody>
+          <a:bodyPr wrap="square" rtlCol="0">
+            <a:spAutoFit/>
+          </a:bodyPr>
+          <a:lstStyle/>
+          <a:p>
+            <a:r>
+              <a:rPr lang="en-AU" b="1" dirty="0"/>
+              <a:t>Comment les </a:t>
+            </a:r>
+            <a:br>
+              <a:rPr lang="en-AU" b="1" dirty="0"/>
+            </a:br>
+            <a:r>
+              <a:rPr lang="en-AU" b="1" dirty="0" err="1"/>
+              <a:t>cibler</a:t>
+            </a:r>
+            <a:r>
+              <a:rPr lang="en-AU" b="1" dirty="0"/>
+              <a:t> ?</a:t>
+            </a:r>
+          </a:p>
+        </p:txBody>
+      </p:sp>
+    </p:spTree>
+    <p:extLst>
+      <p:ext uri="{BB962C8B-B14F-4D97-AF65-F5344CB8AC3E}">
+        <p14:creationId xmlns:p14="http://schemas.microsoft.com/office/powerpoint/2010/main" val="1003994786"/>
+      </p:ext>
+    </p:extLst>
+  </p:cSld>
+  <p:clrMapOvr>
+    <a:masterClrMapping/>
+  </p:clrMapOvr>
+</p:sld>
+</file>
+
+<file path=ppt/slides/slide34.xml><?xml version="1.0" encoding="utf-8"?>
+<p:sld xmlns:a="http://schemas.openxmlformats.org/drawingml/2006/main" xmlns:r="http://schemas.openxmlformats.org/officeDocument/2006/relationships" xmlns:p="http://schemas.openxmlformats.org/presentationml/2006/main">
+  <p:cSld>
+    <p:spTree>
+      <p:nvGrpSpPr>
+        <p:cNvPr id="1" name=""/>
+        <p:cNvGrpSpPr/>
+        <p:nvPr/>
+      </p:nvGrpSpPr>
+      <p:grpSpPr>
+        <a:xfrm>
+          <a:off x="0" y="0"/>
+          <a:ext cx="0" cy="0"/>
+          <a:chOff x="0" y="0"/>
+          <a:chExt cx="0" cy="0"/>
+        </a:xfrm>
+      </p:grpSpPr>
       <p:pic>
         <p:nvPicPr>
-          <p:cNvPr id="6" name="Picture 5">
-            <a:extLst>
-              <a:ext uri="{FF2B5EF4-FFF2-40B4-BE49-F238E27FC236}">
-                <a16:creationId xmlns:a16="http://schemas.microsoft.com/office/drawing/2014/main" id="{21D89699-6675-ABEC-57FA-5092394B9F38}"/>
+          <p:cNvPr id="5" name="Picture 4">
+            <a:extLst>
+              <a:ext uri="{FF2B5EF4-FFF2-40B4-BE49-F238E27FC236}">
+                <a16:creationId xmlns:a16="http://schemas.microsoft.com/office/drawing/2014/main" id="{E467681C-7460-00AB-EA52-D71661E59BF9}"/>
+              </a:ext>
+            </a:extLst>
+          </p:cNvPr>
+          <p:cNvPicPr>
+            <a:picLocks noChangeAspect="1" noChangeArrowheads="1"/>
+          </p:cNvPicPr>
+          <p:nvPr/>
+        </p:nvPicPr>
+        <p:blipFill>
+          <a:blip r:embed="rId3">
+            <a:extLst>
+              <a:ext uri="{28A0092B-C50C-407E-A947-70E740481C1C}">
+                <a14:useLocalDpi xmlns:a14="http://schemas.microsoft.com/office/drawing/2010/main" val="0"/>
+              </a:ext>
+            </a:extLst>
+          </a:blip>
+          <a:srcRect/>
+          <a:stretch>
+            <a:fillRect/>
+          </a:stretch>
+        </p:blipFill>
+        <p:spPr bwMode="auto">
+          <a:xfrm>
+            <a:off x="10911964" y="211817"/>
+            <a:ext cx="970755" cy="970755"/>
+          </a:xfrm>
+          <a:prstGeom prst="rect">
+            <a:avLst/>
+          </a:prstGeom>
+          <a:noFill/>
+          <a:extLst>
+            <a:ext uri="{909E8E84-426E-40DD-AFC4-6F175D3DCCD1}">
+              <a14:hiddenFill xmlns:a14="http://schemas.microsoft.com/office/drawing/2010/main">
+                <a:solidFill>
+                  <a:srgbClr val="FFFFFF"/>
+                </a:solidFill>
+              </a14:hiddenFill>
+            </a:ext>
+          </a:extLst>
+        </p:spPr>
+      </p:pic>
+      <p:sp>
+        <p:nvSpPr>
+          <p:cNvPr id="8" name="Title 1">
+            <a:extLst>
+              <a:ext uri="{FF2B5EF4-FFF2-40B4-BE49-F238E27FC236}">
+                <a16:creationId xmlns:a16="http://schemas.microsoft.com/office/drawing/2014/main" id="{6BC058DF-FF64-9D5E-3D11-E625DBDC5063}"/>
+              </a:ext>
+            </a:extLst>
+          </p:cNvPr>
+          <p:cNvSpPr>
+            <a:spLocks noGrp="1"/>
+          </p:cNvSpPr>
+          <p:nvPr>
+            <p:ph type="title"/>
+          </p:nvPr>
+        </p:nvSpPr>
+        <p:spPr>
+          <a:xfrm>
+            <a:off x="726989" y="211817"/>
+            <a:ext cx="9121346" cy="970755"/>
+          </a:xfrm>
+        </p:spPr>
+        <p:txBody>
+          <a:bodyPr>
+            <a:normAutofit/>
+          </a:bodyPr>
+          <a:lstStyle/>
+          <a:p>
+            <a:r>
+              <a:rPr lang="fr-FR" sz="3600" b="1" dirty="0">
+                <a:solidFill>
+                  <a:schemeClr val="tx2"/>
+                </a:solidFill>
+              </a:rPr>
+              <a:t>Conclusion</a:t>
+            </a:r>
+          </a:p>
+        </p:txBody>
+      </p:sp>
+      <p:sp>
+        <p:nvSpPr>
+          <p:cNvPr id="19" name="TextBox 18">
+            <a:extLst>
+              <a:ext uri="{FF2B5EF4-FFF2-40B4-BE49-F238E27FC236}">
+                <a16:creationId xmlns:a16="http://schemas.microsoft.com/office/drawing/2014/main" id="{57F091D4-9CDA-92AF-DD29-D92F99A852EB}"/>
+              </a:ext>
+            </a:extLst>
+          </p:cNvPr>
+          <p:cNvSpPr txBox="1"/>
+          <p:nvPr/>
+        </p:nvSpPr>
+        <p:spPr>
+          <a:xfrm>
+            <a:off x="726989" y="982517"/>
+            <a:ext cx="11155730" cy="400110"/>
+          </a:xfrm>
+          <a:prstGeom prst="rect">
+            <a:avLst/>
+          </a:prstGeom>
+          <a:noFill/>
+        </p:spPr>
+        <p:txBody>
+          <a:bodyPr wrap="square" rtlCol="0">
+            <a:spAutoFit/>
+          </a:bodyPr>
+          <a:lstStyle/>
+          <a:p>
+            <a:r>
+              <a:rPr lang="fr-FR" sz="2000" b="1" dirty="0">
+                <a:solidFill>
+                  <a:srgbClr val="7450EB"/>
+                </a:solidFill>
+              </a:rPr>
+              <a:t>Mais attendez !!! </a:t>
+            </a:r>
+          </a:p>
+        </p:txBody>
+      </p:sp>
+      <p:grpSp>
+        <p:nvGrpSpPr>
+          <p:cNvPr id="9" name="Group 8">
+            <a:extLst>
+              <a:ext uri="{FF2B5EF4-FFF2-40B4-BE49-F238E27FC236}">
+                <a16:creationId xmlns:a16="http://schemas.microsoft.com/office/drawing/2014/main" id="{FED05249-DBF4-F67D-E692-DC99A05D1F79}"/>
+              </a:ext>
+            </a:extLst>
+          </p:cNvPr>
+          <p:cNvGrpSpPr/>
+          <p:nvPr/>
+        </p:nvGrpSpPr>
+        <p:grpSpPr>
+          <a:xfrm>
+            <a:off x="7539722" y="1621536"/>
+            <a:ext cx="4134143" cy="2279925"/>
+            <a:chOff x="7315200" y="1485425"/>
+            <a:chExt cx="4567519" cy="2712719"/>
+          </a:xfrm>
+        </p:grpSpPr>
+        <p:grpSp>
+          <p:nvGrpSpPr>
+            <p:cNvPr id="10" name="Group 9">
+              <a:extLst>
+                <a:ext uri="{FF2B5EF4-FFF2-40B4-BE49-F238E27FC236}">
+                  <a16:creationId xmlns:a16="http://schemas.microsoft.com/office/drawing/2014/main" id="{2D301F8B-6D93-F7D0-016F-5AA1B4B9B7E1}"/>
+                </a:ext>
+              </a:extLst>
+            </p:cNvPr>
+            <p:cNvGrpSpPr/>
+            <p:nvPr/>
+          </p:nvGrpSpPr>
+          <p:grpSpPr>
+            <a:xfrm>
+              <a:off x="7315200" y="1485425"/>
+              <a:ext cx="4567519" cy="2712719"/>
+              <a:chOff x="8107365" y="3758373"/>
+              <a:chExt cx="3794808" cy="2304000"/>
+            </a:xfrm>
+          </p:grpSpPr>
+          <p:pic>
+            <p:nvPicPr>
+              <p:cNvPr id="12" name="Picture 11" descr="A white rectangular object with a black border&#10;&#10;Description automatically generated with medium confidence">
+                <a:extLst>
+                  <a:ext uri="{FF2B5EF4-FFF2-40B4-BE49-F238E27FC236}">
+                    <a16:creationId xmlns:a16="http://schemas.microsoft.com/office/drawing/2014/main" id="{02A522D3-A365-E050-53A1-D4AD318DE3E1}"/>
+                  </a:ext>
+                </a:extLst>
+              </p:cNvPr>
+              <p:cNvPicPr>
+                <a:picLocks noChangeAspect="1"/>
+              </p:cNvPicPr>
+              <p:nvPr/>
+            </p:nvPicPr>
+            <p:blipFill rotWithShape="1">
+              <a:blip r:embed="rId4"/>
+              <a:srcRect l="66043"/>
+              <a:stretch/>
+            </p:blipFill>
+            <p:spPr>
+              <a:xfrm>
+                <a:off x="8107365" y="3758373"/>
+                <a:ext cx="3794808" cy="2304000"/>
+              </a:xfrm>
+              <a:prstGeom prst="rect">
+                <a:avLst/>
+              </a:prstGeom>
+            </p:spPr>
+          </p:pic>
+          <p:pic>
+            <p:nvPicPr>
+              <p:cNvPr id="13" name="Picture 12" descr="A white rectangular object with a black border&#10;&#10;Description automatically generated with medium confidence">
+                <a:extLst>
+                  <a:ext uri="{FF2B5EF4-FFF2-40B4-BE49-F238E27FC236}">
+                    <a16:creationId xmlns:a16="http://schemas.microsoft.com/office/drawing/2014/main" id="{71185727-289A-631F-AC6C-0E5B90814501}"/>
+                  </a:ext>
+                </a:extLst>
+              </p:cNvPr>
+              <p:cNvPicPr>
+                <a:picLocks noChangeAspect="1"/>
+              </p:cNvPicPr>
+              <p:nvPr/>
+            </p:nvPicPr>
+            <p:blipFill rotWithShape="1">
+              <a:blip r:embed="rId4"/>
+              <a:srcRect r="89478"/>
+              <a:stretch/>
+            </p:blipFill>
+            <p:spPr>
+              <a:xfrm>
+                <a:off x="8107365" y="3758374"/>
+                <a:ext cx="1173796" cy="2299989"/>
+              </a:xfrm>
+              <a:prstGeom prst="rect">
+                <a:avLst/>
+              </a:prstGeom>
+            </p:spPr>
+          </p:pic>
+        </p:grpSp>
+        <p:sp>
+          <p:nvSpPr>
+            <p:cNvPr id="11" name="TextBox 10">
+              <a:extLst>
+                <a:ext uri="{FF2B5EF4-FFF2-40B4-BE49-F238E27FC236}">
+                  <a16:creationId xmlns:a16="http://schemas.microsoft.com/office/drawing/2014/main" id="{6F72AA9A-71F9-575C-A46A-33452AFF7243}"/>
+                </a:ext>
+              </a:extLst>
+            </p:cNvPr>
+            <p:cNvSpPr txBox="1"/>
+            <p:nvPr/>
+          </p:nvSpPr>
+          <p:spPr>
+            <a:xfrm>
+              <a:off x="7391400" y="1537327"/>
+              <a:ext cx="1076705" cy="461665"/>
+            </a:xfrm>
+            <a:prstGeom prst="rect">
+              <a:avLst/>
+            </a:prstGeom>
+            <a:solidFill>
+              <a:schemeClr val="bg1"/>
+            </a:solidFill>
+          </p:spPr>
+          <p:txBody>
+            <a:bodyPr wrap="none" rtlCol="0">
+              <a:spAutoFit/>
+            </a:bodyPr>
+            <a:lstStyle/>
+            <a:p>
+              <a:r>
+                <a:rPr lang="en-AU" sz="2400" b="1" dirty="0"/>
+                <a:t>Cluster</a:t>
+              </a:r>
+            </a:p>
+          </p:txBody>
+        </p:sp>
+      </p:grpSp>
+      <p:pic>
+        <p:nvPicPr>
+          <p:cNvPr id="14" name="Picture 13" descr="A screenshot of a computer screen&#10;&#10;Description automatically generated">
+            <a:extLst>
+              <a:ext uri="{FF2B5EF4-FFF2-40B4-BE49-F238E27FC236}">
+                <a16:creationId xmlns:a16="http://schemas.microsoft.com/office/drawing/2014/main" id="{576C347B-0606-18AC-5EFF-E3D5E5FFD4E3}"/>
               </a:ext>
             </a:extLst>
           </p:cNvPr>
@@ -15496,49 +16737,287 @@
           <p:nvPr/>
         </p:nvPicPr>
         <p:blipFill rotWithShape="1">
-          <a:blip r:embed="rId6"/>
-          <a:srcRect l="1874" t="12462" r="1270" b="2269"/>
+          <a:blip r:embed="rId5"/>
+          <a:srcRect b="11756"/>
           <a:stretch/>
         </p:blipFill>
         <p:spPr>
           <a:xfrm>
-            <a:off x="6304854" y="3910139"/>
-            <a:ext cx="5310899" cy="2224127"/>
+            <a:off x="518135" y="4331450"/>
+            <a:ext cx="11155730" cy="2314733"/>
           </a:xfrm>
           <a:prstGeom prst="rect">
             <a:avLst/>
           </a:prstGeom>
         </p:spPr>
       </p:pic>
-      <p:pic>
-        <p:nvPicPr>
-          <p:cNvPr id="7" name="Picture 6">
-            <a:extLst>
-              <a:ext uri="{FF2B5EF4-FFF2-40B4-BE49-F238E27FC236}">
-                <a16:creationId xmlns:a16="http://schemas.microsoft.com/office/drawing/2014/main" id="{2BE6A364-B893-539A-69BA-5D333035DB91}"/>
-              </a:ext>
-            </a:extLst>
-          </p:cNvPr>
-          <p:cNvPicPr>
-            <a:picLocks noChangeAspect="1"/>
-          </p:cNvPicPr>
+      <p:sp>
+        <p:nvSpPr>
+          <p:cNvPr id="15" name="TextBox 14">
+            <a:extLst>
+              <a:ext uri="{FF2B5EF4-FFF2-40B4-BE49-F238E27FC236}">
+                <a16:creationId xmlns:a16="http://schemas.microsoft.com/office/drawing/2014/main" id="{CA5E7B23-90FE-04DF-653A-A61232AD8FA8}"/>
+              </a:ext>
+            </a:extLst>
+          </p:cNvPr>
+          <p:cNvSpPr txBox="1"/>
           <p:nvPr/>
-        </p:nvPicPr>
-        <p:blipFill rotWithShape="1">
-          <a:blip r:embed="rId7"/>
-          <a:srcRect l="1752" t="9274" b="6817"/>
-          <a:stretch/>
-        </p:blipFill>
+        </p:nvSpPr>
         <p:spPr>
           <a:xfrm>
-            <a:off x="726989" y="1541482"/>
-            <a:ext cx="5337895" cy="2168602"/>
+            <a:off x="726989" y="1733653"/>
+            <a:ext cx="4892065" cy="1200329"/>
           </a:xfrm>
           <a:prstGeom prst="rect">
             <a:avLst/>
           </a:prstGeom>
-        </p:spPr>
-      </p:pic>
+          <a:noFill/>
+        </p:spPr>
+        <p:txBody>
+          <a:bodyPr wrap="square" rtlCol="0">
+            <a:spAutoFit/>
+          </a:bodyPr>
+          <a:lstStyle/>
+          <a:p>
+            <a:r>
+              <a:rPr lang="en-AU" dirty="0"/>
+              <a:t>Le </a:t>
+            </a:r>
+            <a:r>
+              <a:rPr lang="en-AU" dirty="0" err="1"/>
+              <a:t>groupe</a:t>
+            </a:r>
+            <a:r>
+              <a:rPr lang="en-AU" dirty="0"/>
+              <a:t> 2 </a:t>
+            </a:r>
+            <a:r>
+              <a:rPr lang="en-AU" dirty="0" err="1"/>
+              <a:t>est</a:t>
+            </a:r>
+            <a:r>
+              <a:rPr lang="en-AU" dirty="0"/>
+              <a:t> </a:t>
+            </a:r>
+            <a:r>
+              <a:rPr lang="en-AU" dirty="0" err="1"/>
+              <a:t>notre</a:t>
+            </a:r>
+            <a:r>
+              <a:rPr lang="en-AU" dirty="0"/>
+              <a:t> plus petit </a:t>
+            </a:r>
+            <a:r>
+              <a:rPr lang="en-AU" dirty="0" err="1"/>
+              <a:t>groupe</a:t>
+            </a:r>
+            <a:r>
+              <a:rPr lang="en-AU" dirty="0"/>
+              <a:t>, </a:t>
+            </a:r>
+            <a:r>
+              <a:rPr lang="en-AU" dirty="0" err="1"/>
+              <a:t>mais</a:t>
+            </a:r>
+            <a:r>
+              <a:rPr lang="en-AU" dirty="0"/>
+              <a:t> il </a:t>
+            </a:r>
+            <a:r>
+              <a:rPr lang="en-AU" dirty="0" err="1"/>
+              <a:t>fournit</a:t>
+            </a:r>
+            <a:r>
+              <a:rPr lang="en-AU" dirty="0"/>
+              <a:t> les </a:t>
+            </a:r>
+            <a:r>
+              <a:rPr lang="en-AU" dirty="0" err="1"/>
+              <a:t>deuxièmes</a:t>
+            </a:r>
+            <a:r>
+              <a:rPr lang="en-AU" dirty="0"/>
+              <a:t> </a:t>
+            </a:r>
+            <a:r>
+              <a:rPr lang="en-AU" dirty="0" err="1"/>
+              <a:t>valeurs</a:t>
+            </a:r>
+            <a:r>
+              <a:rPr lang="en-AU" dirty="0"/>
+              <a:t> les plus </a:t>
+            </a:r>
+            <a:r>
+              <a:rPr lang="en-AU" dirty="0" err="1"/>
+              <a:t>importantes</a:t>
+            </a:r>
+            <a:r>
+              <a:rPr lang="en-AU" dirty="0"/>
+              <a:t> ; </a:t>
+            </a:r>
+            <a:r>
+              <a:rPr lang="en-AU" dirty="0" err="1"/>
+              <a:t>notre</a:t>
+            </a:r>
+            <a:r>
+              <a:rPr lang="en-AU" dirty="0"/>
+              <a:t> </a:t>
+            </a:r>
+            <a:r>
+              <a:rPr lang="en-AU" dirty="0" err="1"/>
+              <a:t>objectif</a:t>
+            </a:r>
+            <a:r>
+              <a:rPr lang="en-AU" dirty="0"/>
+              <a:t> </a:t>
+            </a:r>
+            <a:r>
+              <a:rPr lang="en-AU" dirty="0" err="1"/>
+              <a:t>devrait</a:t>
+            </a:r>
+            <a:r>
+              <a:rPr lang="en-AU" dirty="0"/>
+              <a:t> </a:t>
+            </a:r>
+            <a:r>
+              <a:rPr lang="en-AU" dirty="0" err="1"/>
+              <a:t>donc</a:t>
+            </a:r>
+            <a:r>
+              <a:rPr lang="en-AU" dirty="0"/>
+              <a:t> </a:t>
+            </a:r>
+            <a:r>
+              <a:rPr lang="en-AU" dirty="0" err="1"/>
+              <a:t>être</a:t>
+            </a:r>
+            <a:r>
+              <a:rPr lang="en-AU" dirty="0"/>
+              <a:t> de </a:t>
+            </a:r>
+            <a:r>
+              <a:rPr lang="en-AU" dirty="0" err="1"/>
+              <a:t>cibler</a:t>
+            </a:r>
+            <a:r>
+              <a:rPr lang="en-AU" dirty="0"/>
+              <a:t> les clients du </a:t>
+            </a:r>
+            <a:r>
+              <a:rPr lang="en-AU" dirty="0" err="1"/>
+              <a:t>groupe</a:t>
+            </a:r>
+            <a:r>
+              <a:rPr lang="en-AU" dirty="0"/>
+              <a:t> 2.</a:t>
+            </a:r>
+          </a:p>
+        </p:txBody>
+      </p:sp>
+      <p:sp>
+        <p:nvSpPr>
+          <p:cNvPr id="16" name="Rectangle 15">
+            <a:extLst>
+              <a:ext uri="{FF2B5EF4-FFF2-40B4-BE49-F238E27FC236}">
+                <a16:creationId xmlns:a16="http://schemas.microsoft.com/office/drawing/2014/main" id="{822DCC2B-542B-A2EE-8B2E-A9339592963A}"/>
+              </a:ext>
+            </a:extLst>
+          </p:cNvPr>
+          <p:cNvSpPr/>
+          <p:nvPr/>
+        </p:nvSpPr>
+        <p:spPr>
+          <a:xfrm>
+            <a:off x="7661875" y="3334660"/>
+            <a:ext cx="3691925" cy="469916"/>
+          </a:xfrm>
+          <a:prstGeom prst="rect">
+            <a:avLst/>
+          </a:prstGeom>
+          <a:noFill/>
+          <a:ln w="38100">
+            <a:solidFill>
+              <a:srgbClr val="FF0000"/>
+            </a:solidFill>
+          </a:ln>
+        </p:spPr>
+        <p:style>
+          <a:lnRef idx="2">
+            <a:schemeClr val="accent1">
+              <a:shade val="50000"/>
+            </a:schemeClr>
+          </a:lnRef>
+          <a:fillRef idx="1">
+            <a:schemeClr val="accent1"/>
+          </a:fillRef>
+          <a:effectRef idx="0">
+            <a:schemeClr val="accent1"/>
+          </a:effectRef>
+          <a:fontRef idx="minor">
+            <a:schemeClr val="lt1"/>
+          </a:fontRef>
+        </p:style>
+        <p:txBody>
+          <a:bodyPr rtlCol="0" anchor="ctr"/>
+          <a:lstStyle/>
+          <a:p>
+            <a:pPr algn="ctr"/>
+            <a:endParaRPr lang="en-AU"/>
+          </a:p>
+        </p:txBody>
+      </p:sp>
+      <p:sp>
+        <p:nvSpPr>
+          <p:cNvPr id="17" name="Rectangle 16">
+            <a:extLst>
+              <a:ext uri="{FF2B5EF4-FFF2-40B4-BE49-F238E27FC236}">
+                <a16:creationId xmlns:a16="http://schemas.microsoft.com/office/drawing/2014/main" id="{3F6B7A8E-59FA-72CE-A1EC-43CCA569A30D}"/>
+              </a:ext>
+            </a:extLst>
+          </p:cNvPr>
+          <p:cNvSpPr/>
+          <p:nvPr/>
+        </p:nvSpPr>
+        <p:spPr>
+          <a:xfrm>
+            <a:off x="594335" y="6082859"/>
+            <a:ext cx="10942345" cy="394141"/>
+          </a:xfrm>
+          <a:prstGeom prst="rect">
+            <a:avLst/>
+          </a:prstGeom>
+          <a:noFill/>
+          <a:ln w="38100">
+            <a:solidFill>
+              <a:srgbClr val="FF0000"/>
+            </a:solidFill>
+          </a:ln>
+        </p:spPr>
+        <p:style>
+          <a:lnRef idx="2">
+            <a:schemeClr val="accent1">
+              <a:shade val="50000"/>
+            </a:schemeClr>
+          </a:lnRef>
+          <a:fillRef idx="1">
+            <a:schemeClr val="accent1"/>
+          </a:fillRef>
+          <a:effectRef idx="0">
+            <a:schemeClr val="accent1"/>
+          </a:effectRef>
+          <a:fontRef idx="minor">
+            <a:schemeClr val="lt1"/>
+          </a:fontRef>
+        </p:style>
+        <p:txBody>
+          <a:bodyPr rtlCol="0" anchor="ctr"/>
+          <a:lstStyle/>
+          <a:p>
+            <a:pPr algn="ctr"/>
+            <a:endParaRPr lang="en-AU"/>
+          </a:p>
+        </p:txBody>
+      </p:sp>
     </p:spTree>
     <p:extLst>
       <p:ext uri="{BB962C8B-B14F-4D97-AF65-F5344CB8AC3E}">
